--- a/translations/en-us/advanced/RandomBlock.pptx
+++ b/translations/en-us/advanced/RandomBlock.pptx
@@ -222,7 +222,7 @@
           <a:p>
             <a:fld id="{E354B44E-40A3-0E46-B16A-9BF1250A248B}" type="datetimeFigureOut">
               <a:rPr lang="en-US" smtClean="0"/>
-              <a:t>6/29/2016</a:t>
+              <a:t>7/19/16</a:t>
             </a:fld>
             <a:endParaRPr lang="en-US"/>
           </a:p>
@@ -388,7 +388,7 @@
           <a:p>
             <a:fld id="{C86AD16C-2DB4-6642-BAD4-9ED973A087A0}" type="datetimeFigureOut">
               <a:rPr lang="en-US" smtClean="0"/>
-              <a:t>6/29/2016</a:t>
+              <a:t>7/19/16</a:t>
             </a:fld>
             <a:endParaRPr lang="en-US"/>
           </a:p>
@@ -942,7 +942,7 @@
           <a:p>
             <a:fld id="{64BD060F-7991-4C20-BCBF-286281588516}" type="datetime1">
               <a:rPr lang="en-US" smtClean="0"/>
-              <a:t>6/30/2016</a:t>
+              <a:t>7/19/16</a:t>
             </a:fld>
             <a:endParaRPr lang="en-US"/>
           </a:p>
@@ -1487,7 +1487,7 @@
           <a:noFill/>
           <a:extLst>
             <a:ext uri="{909E8E84-426E-40dd-AFC4-6F175D3DCCD1}">
-              <a14:hiddenFill xmlns:a14="http://schemas.microsoft.com/office/drawing/2010/main" xmlns="">
+              <a14:hiddenFill xmlns="" xmlns:a14="http://schemas.microsoft.com/office/drawing/2010/main">
                 <a:solidFill>
                   <a:srgbClr val="FFFFFF"/>
                 </a:solidFill>
@@ -1531,296 +1531,6 @@
           </a:fontRef>
         </p:style>
       </p:cxnSp>
-      <p:sp>
-        <p:nvSpPr>
-          <p:cNvPr id="18" name="Subtitle 3"/>
-          <p:cNvSpPr txBox="1">
-            <a:spLocks/>
-          </p:cNvSpPr>
-          <p:nvPr/>
-        </p:nvSpPr>
-        <p:spPr>
-          <a:xfrm>
-            <a:off x="1549400" y="5829838"/>
-            <a:ext cx="3749229" cy="484094"/>
-          </a:xfrm>
-          <a:prstGeom prst="rect">
-            <a:avLst/>
-          </a:prstGeom>
-        </p:spPr>
-        <p:txBody>
-          <a:bodyPr vert="horz" lIns="91440" tIns="45720" rIns="91440" bIns="45720" rtlCol="0">
-            <a:normAutofit/>
-          </a:bodyPr>
-          <a:lstStyle>
-            <a:lvl1pPr marL="0" indent="0" algn="l" defTabSz="914400" rtl="0" eaLnBrk="1" latinLnBrk="0" hangingPunct="1">
-              <a:lnSpc>
-                <a:spcPct val="100000"/>
-              </a:lnSpc>
-              <a:spcBef>
-                <a:spcPts val="0"/>
-              </a:spcBef>
-              <a:buClr>
-                <a:schemeClr val="bg1">
-                  <a:lumMod val="65000"/>
-                </a:schemeClr>
-              </a:buClr>
-              <a:buSzPct val="90000"/>
-              <a:buFont typeface="Wingdings" pitchFamily="2" charset="2"/>
-              <a:buNone/>
-              <a:defRPr sz="1800" kern="1200">
-                <a:solidFill>
-                  <a:schemeClr val="bg1"/>
-                </a:solidFill>
-                <a:latin typeface="+mn-lt"/>
-                <a:ea typeface="+mn-ea"/>
-                <a:cs typeface="+mn-cs"/>
-              </a:defRPr>
-            </a:lvl1pPr>
-            <a:lvl2pPr marL="457200" indent="0" algn="ctr" defTabSz="914400" rtl="0" eaLnBrk="1" latinLnBrk="0" hangingPunct="1">
-              <a:spcBef>
-                <a:spcPts val="600"/>
-              </a:spcBef>
-              <a:buClr>
-                <a:schemeClr val="tx1">
-                  <a:lumMod val="75000"/>
-                  <a:lumOff val="25000"/>
-                </a:schemeClr>
-              </a:buClr>
-              <a:buSzPct val="90000"/>
-              <a:buFont typeface="Wingdings" pitchFamily="2" charset="2"/>
-              <a:buNone/>
-              <a:defRPr sz="2200" kern="1200">
-                <a:solidFill>
-                  <a:schemeClr val="tx1">
-                    <a:tint val="75000"/>
-                  </a:schemeClr>
-                </a:solidFill>
-                <a:latin typeface="+mn-lt"/>
-                <a:ea typeface="+mn-ea"/>
-                <a:cs typeface="+mn-cs"/>
-              </a:defRPr>
-            </a:lvl2pPr>
-            <a:lvl3pPr marL="914400" indent="0" algn="ctr" defTabSz="914400" rtl="0" eaLnBrk="1" latinLnBrk="0" hangingPunct="1">
-              <a:spcBef>
-                <a:spcPts val="600"/>
-              </a:spcBef>
-              <a:buClr>
-                <a:schemeClr val="bg1">
-                  <a:lumMod val="65000"/>
-                </a:schemeClr>
-              </a:buClr>
-              <a:buSzPct val="90000"/>
-              <a:buFont typeface="Wingdings" pitchFamily="2" charset="2"/>
-              <a:buNone/>
-              <a:defRPr sz="2000" kern="1200">
-                <a:solidFill>
-                  <a:schemeClr val="tx1">
-                    <a:tint val="75000"/>
-                  </a:schemeClr>
-                </a:solidFill>
-                <a:latin typeface="+mn-lt"/>
-                <a:ea typeface="+mn-ea"/>
-                <a:cs typeface="+mn-cs"/>
-              </a:defRPr>
-            </a:lvl3pPr>
-            <a:lvl4pPr marL="1371600" indent="0" algn="ctr" defTabSz="914400" rtl="0" eaLnBrk="1" latinLnBrk="0" hangingPunct="1">
-              <a:spcBef>
-                <a:spcPts val="600"/>
-              </a:spcBef>
-              <a:buClr>
-                <a:schemeClr val="tx1">
-                  <a:lumMod val="75000"/>
-                  <a:lumOff val="25000"/>
-                </a:schemeClr>
-              </a:buClr>
-              <a:buSzPct val="90000"/>
-              <a:buFont typeface="Wingdings" pitchFamily="2" charset="2"/>
-              <a:buNone/>
-              <a:defRPr sz="1800" kern="1200">
-                <a:solidFill>
-                  <a:schemeClr val="tx1">
-                    <a:tint val="75000"/>
-                  </a:schemeClr>
-                </a:solidFill>
-                <a:latin typeface="+mn-lt"/>
-                <a:ea typeface="+mn-ea"/>
-                <a:cs typeface="+mn-cs"/>
-              </a:defRPr>
-            </a:lvl4pPr>
-            <a:lvl5pPr marL="1828800" indent="0" algn="ctr" defTabSz="914400" rtl="0" eaLnBrk="1" latinLnBrk="0" hangingPunct="1">
-              <a:spcBef>
-                <a:spcPts val="600"/>
-              </a:spcBef>
-              <a:buClr>
-                <a:schemeClr val="bg1">
-                  <a:lumMod val="65000"/>
-                </a:schemeClr>
-              </a:buClr>
-              <a:buSzPct val="90000"/>
-              <a:buFont typeface="Wingdings" pitchFamily="2" charset="2"/>
-              <a:buNone/>
-              <a:defRPr sz="1800" kern="1200">
-                <a:solidFill>
-                  <a:schemeClr val="tx1">
-                    <a:tint val="75000"/>
-                  </a:schemeClr>
-                </a:solidFill>
-                <a:latin typeface="+mn-lt"/>
-                <a:ea typeface="+mn-ea"/>
-                <a:cs typeface="+mn-cs"/>
-              </a:defRPr>
-            </a:lvl5pPr>
-            <a:lvl6pPr marL="2286000" indent="0" algn="ctr" defTabSz="914400" rtl="0" eaLnBrk="1" latinLnBrk="0" hangingPunct="1">
-              <a:spcBef>
-                <a:spcPts val="600"/>
-              </a:spcBef>
-              <a:buClr>
-                <a:schemeClr val="tx1">
-                  <a:lumMod val="75000"/>
-                  <a:lumOff val="25000"/>
-                </a:schemeClr>
-              </a:buClr>
-              <a:buSzPct val="90000"/>
-              <a:buFont typeface="Wingdings" pitchFamily="2" charset="2"/>
-              <a:buNone/>
-              <a:defRPr lang="en-US" sz="1800" kern="1200">
-                <a:solidFill>
-                  <a:schemeClr val="tx1">
-                    <a:tint val="75000"/>
-                  </a:schemeClr>
-                </a:solidFill>
-                <a:latin typeface="+mn-lt"/>
-                <a:ea typeface="+mn-ea"/>
-                <a:cs typeface="+mn-cs"/>
-              </a:defRPr>
-            </a:lvl6pPr>
-            <a:lvl7pPr marL="2743200" indent="0" algn="ctr" defTabSz="914400" rtl="0" eaLnBrk="1" latinLnBrk="0" hangingPunct="1">
-              <a:spcBef>
-                <a:spcPts val="600"/>
-              </a:spcBef>
-              <a:buClr>
-                <a:schemeClr val="bg1">
-                  <a:lumMod val="65000"/>
-                </a:schemeClr>
-              </a:buClr>
-              <a:buSzPct val="90000"/>
-              <a:buFont typeface="Wingdings" pitchFamily="2" charset="2"/>
-              <a:buNone/>
-              <a:defRPr lang="en-US" sz="1800" kern="1200">
-                <a:solidFill>
-                  <a:schemeClr val="tx1">
-                    <a:tint val="75000"/>
-                  </a:schemeClr>
-                </a:solidFill>
-                <a:latin typeface="+mn-lt"/>
-                <a:ea typeface="+mn-ea"/>
-                <a:cs typeface="+mn-cs"/>
-              </a:defRPr>
-            </a:lvl7pPr>
-            <a:lvl8pPr marL="3200400" indent="0" algn="ctr" defTabSz="914400" rtl="0" eaLnBrk="1" latinLnBrk="0" hangingPunct="1">
-              <a:spcBef>
-                <a:spcPts val="600"/>
-              </a:spcBef>
-              <a:buClr>
-                <a:schemeClr val="tx1">
-                  <a:lumMod val="75000"/>
-                  <a:lumOff val="25000"/>
-                </a:schemeClr>
-              </a:buClr>
-              <a:buSzPct val="90000"/>
-              <a:buFont typeface="Wingdings" pitchFamily="2" charset="2"/>
-              <a:buNone/>
-              <a:defRPr lang="en-US" sz="1800" kern="1200">
-                <a:solidFill>
-                  <a:schemeClr val="tx1">
-                    <a:tint val="75000"/>
-                  </a:schemeClr>
-                </a:solidFill>
-                <a:latin typeface="+mn-lt"/>
-                <a:ea typeface="+mn-ea"/>
-                <a:cs typeface="+mn-cs"/>
-              </a:defRPr>
-            </a:lvl8pPr>
-            <a:lvl9pPr marL="3657600" indent="0" algn="ctr" defTabSz="914400" rtl="0" eaLnBrk="1" latinLnBrk="0" hangingPunct="1">
-              <a:spcBef>
-                <a:spcPts val="600"/>
-              </a:spcBef>
-              <a:buClr>
-                <a:schemeClr val="bg1">
-                  <a:lumMod val="65000"/>
-                </a:schemeClr>
-              </a:buClr>
-              <a:buSzPct val="90000"/>
-              <a:buFont typeface="Wingdings" pitchFamily="2" charset="2"/>
-              <a:buNone/>
-              <a:defRPr lang="en-US" sz="1800" kern="1200">
-                <a:solidFill>
-                  <a:schemeClr val="tx1">
-                    <a:tint val="75000"/>
-                  </a:schemeClr>
-                </a:solidFill>
-                <a:latin typeface="+mn-lt"/>
-                <a:ea typeface="+mn-ea"/>
-                <a:cs typeface="+mn-cs"/>
-              </a:defRPr>
-            </a:lvl9pPr>
-          </a:lstStyle>
-          <a:p>
-            <a:r>
-              <a:rPr lang="en-US" dirty="0">
-                <a:solidFill>
-                  <a:schemeClr val="tx1"/>
-                </a:solidFill>
-              </a:rPr>
-              <a:t>By Seshan</a:t>
-            </a:r>
-            <a:r>
-              <a:rPr lang="en-US" baseline="0" dirty="0">
-                <a:solidFill>
-                  <a:schemeClr val="tx1"/>
-                </a:solidFill>
-              </a:rPr>
-              <a:t> Brothers</a:t>
-            </a:r>
-            <a:endParaRPr lang="en-US" dirty="0">
-              <a:solidFill>
-                <a:schemeClr val="tx1"/>
-              </a:solidFill>
-            </a:endParaRPr>
-          </a:p>
-        </p:txBody>
-      </p:sp>
-      <p:pic>
-        <p:nvPicPr>
-          <p:cNvPr id="16" name="Picture 15"/>
-          <p:cNvPicPr>
-            <a:picLocks noChangeAspect="1"/>
-          </p:cNvPicPr>
-          <p:nvPr userDrawn="1"/>
-        </p:nvPicPr>
-        <p:blipFill>
-          <a:blip r:embed="rId3" cstate="email">
-            <a:extLst>
-              <a:ext uri="{28A0092B-C50C-407E-A947-70E740481C1C}">
-                <a14:useLocalDpi xmlns:a14="http://schemas.microsoft.com/office/drawing/2010/main" val="0"/>
-              </a:ext>
-            </a:extLst>
-          </a:blip>
-          <a:stretch>
-            <a:fillRect/>
-          </a:stretch>
-        </p:blipFill>
-        <p:spPr>
-          <a:xfrm>
-            <a:off x="329321" y="4898814"/>
-            <a:ext cx="1220079" cy="1220079"/>
-          </a:xfrm>
-          <a:prstGeom prst="rect">
-            <a:avLst/>
-          </a:prstGeom>
-        </p:spPr>
-      </p:pic>
     </p:spTree>
     <p:extLst>
       <p:ext uri="{BB962C8B-B14F-4D97-AF65-F5344CB8AC3E}">
@@ -1924,7 +1634,7 @@
           <a:p>
             <a:fld id="{ABD56C29-21F8-48CC-93CF-C06ED550EE23}" type="datetime1">
               <a:rPr lang="en-US" smtClean="0"/>
-              <a:t>6/30/2016</a:t>
+              <a:t>7/19/16</a:t>
             </a:fld>
             <a:endParaRPr lang="en-US"/>
           </a:p>
@@ -2377,7 +2087,7 @@
           <a:p>
             <a:fld id="{8C41A9B7-E7A4-40FB-B347-4192208D4EA0}" type="datetime1">
               <a:rPr lang="en-US" smtClean="0"/>
-              <a:t>6/30/2016</a:t>
+              <a:t>7/19/16</a:t>
             </a:fld>
             <a:endParaRPr lang="en-US" dirty="0"/>
           </a:p>
@@ -2833,7 +2543,7 @@
           <a:p>
             <a:fld id="{9C3533C0-2013-4269-9B3F-48C2CDDAD521}" type="datetime1">
               <a:rPr lang="en-US" smtClean="0"/>
-              <a:t>6/30/2016</a:t>
+              <a:t>7/19/16</a:t>
             </a:fld>
             <a:endParaRPr lang="en-US"/>
           </a:p>
@@ -3550,7 +3260,7 @@
           <a:p>
             <a:fld id="{A8718560-4408-49B6-BC83-B7A6E80089F9}" type="datetime1">
               <a:rPr lang="en-US" smtClean="0"/>
-              <a:t>6/30/2016</a:t>
+              <a:t>7/19/16</a:t>
             </a:fld>
             <a:endParaRPr lang="en-US"/>
           </a:p>
@@ -3823,7 +3533,7 @@
           <a:p>
             <a:fld id="{C7E50E7B-B662-4638-959D-1A83E4140688}" type="datetime1">
               <a:rPr lang="en-US" smtClean="0"/>
-              <a:t>6/30/2016</a:t>
+              <a:t>7/19/16</a:t>
             </a:fld>
             <a:endParaRPr lang="en-US"/>
           </a:p>
@@ -4135,7 +3845,7 @@
           <a:p>
             <a:fld id="{9FB32ACB-1660-43C0-A868-2BBF2980BA8C}" type="datetime1">
               <a:rPr lang="en-US" smtClean="0"/>
-              <a:t>6/30/2016</a:t>
+              <a:t>7/19/16</a:t>
             </a:fld>
             <a:endParaRPr lang="en-US"/>
           </a:p>
@@ -4354,7 +4064,7 @@
           <a:p>
             <a:fld id="{6DE09D55-AD78-496B-BF3F-C465BA0D8C3D}" type="datetime1">
               <a:rPr lang="en-US" smtClean="0"/>
-              <a:t>6/30/2016</a:t>
+              <a:t>7/19/16</a:t>
             </a:fld>
             <a:endParaRPr lang="en-US"/>
           </a:p>
@@ -4632,7 +4342,7 @@
           <a:p>
             <a:fld id="{8C02E242-AC18-4BB8-BD68-0B88E633D91D}" type="datetime1">
               <a:rPr lang="en-US" smtClean="0"/>
-              <a:t>6/30/2016</a:t>
+              <a:t>7/19/16</a:t>
             </a:fld>
             <a:endParaRPr lang="en-US" dirty="0"/>
           </a:p>
@@ -4875,7 +4585,7 @@
           <a:p>
             <a:fld id="{35A9312A-CAAC-4A7D-BBDB-EA255A9392A9}" type="datetime1">
               <a:rPr lang="en-US" smtClean="0"/>
-              <a:t>6/30/2016</a:t>
+              <a:t>7/19/16</a:t>
             </a:fld>
             <a:endParaRPr lang="en-US" dirty="0"/>
           </a:p>
@@ -5415,10 +5125,47 @@
           <a:bodyPr/>
           <a:lstStyle/>
           <a:p>
+            <a:r>
+              <a:rPr lang="en-US" dirty="0" smtClean="0"/>
+              <a:t>By Sanjay and Arvind </a:t>
+            </a:r>
+            <a:r>
+              <a:rPr lang="en-US" dirty="0" err="1" smtClean="0"/>
+              <a:t>Seshan</a:t>
+            </a:r>
             <a:endParaRPr lang="en-US" dirty="0"/>
           </a:p>
         </p:txBody>
       </p:sp>
+      <p:pic>
+        <p:nvPicPr>
+          <p:cNvPr id="4" name="Picture 3"/>
+          <p:cNvPicPr>
+            <a:picLocks noChangeAspect="1"/>
+          </p:cNvPicPr>
+          <p:nvPr/>
+        </p:nvPicPr>
+        <p:blipFill rotWithShape="1">
+          <a:blip r:embed="rId2">
+            <a:extLst>
+              <a:ext uri="{28A0092B-C50C-407E-A947-70E740481C1C}">
+                <a14:useLocalDpi xmlns:a14="http://schemas.microsoft.com/office/drawing/2010/main" val="0"/>
+              </a:ext>
+            </a:extLst>
+          </a:blip>
+          <a:srcRect l="4523" t="17619" r="3095" b="25000"/>
+          <a:stretch/>
+        </p:blipFill>
+        <p:spPr>
+          <a:xfrm>
+            <a:off x="3459013" y="4560129"/>
+            <a:ext cx="2225974" cy="1382629"/>
+          </a:xfrm>
+          <a:prstGeom prst="rect">
+            <a:avLst/>
+          </a:prstGeom>
+        </p:spPr>
+      </p:pic>
     </p:spTree>
     <p:extLst>
       <p:ext uri="{BB962C8B-B14F-4D97-AF65-F5344CB8AC3E}">
@@ -5923,7 +5670,7 @@
           <a:effectLst/>
           <a:extLst>
             <a:ext uri="{91240B29-F687-4f45-9708-019B960494DF}">
-              <a14:hiddenLine xmlns="" xmlns:a14="http://schemas.microsoft.com/office/drawing/2010/main" w="9525">
+              <a14:hiddenLine xmlns:a14="http://schemas.microsoft.com/office/drawing/2010/main" xmlns="" w="9525">
                 <a:solidFill>
                   <a:schemeClr val="tx1"/>
                 </a:solidFill>
@@ -5933,7 +5680,7 @@
               </a14:hiddenLine>
             </a:ext>
             <a:ext uri="{AF507438-7753-43e0-B8FC-AC1667EBCBE1}">
-              <a14:hiddenEffects xmlns="" xmlns:a14="http://schemas.microsoft.com/office/drawing/2010/main">
+              <a14:hiddenEffects xmlns:a14="http://schemas.microsoft.com/office/drawing/2010/main" xmlns="">
                 <a:effectLst>
                   <a:outerShdw dist="35921" dir="2700000" algn="ctr" rotWithShape="0">
                     <a:schemeClr val="bg2"/>
@@ -6108,6 +5855,18 @@
               </a:rPr>
               <a:t>                         </a:t>
             </a:r>
+            <a:r>
+              <a:rPr kumimoji="0" lang="en-US" altLang="en-US" sz="1600" b="0" i="0" u="none" strike="noStrike" cap="none" normalizeH="0" baseline="0" dirty="0">
+                <a:ln>
+                  <a:noFill/>
+                </a:ln>
+                <a:solidFill>
+                  <a:schemeClr val="tx1"/>
+                </a:solidFill>
+                <a:effectLst/>
+              </a:rPr>
+              <a:t/>
+            </a:r>
             <a:br>
               <a:rPr kumimoji="0" lang="en-US" altLang="en-US" sz="1600" b="0" i="0" u="none" strike="noStrike" cap="none" normalizeH="0" baseline="0" dirty="0">
                 <a:ln>
@@ -6274,7 +6033,7 @@
           <a:noFill/>
           <a:extLst>
             <a:ext uri="{909E8E84-426E-40dd-AFC4-6F175D3DCCD1}">
-              <a14:hiddenFill xmlns="" xmlns:a14="http://schemas.microsoft.com/office/drawing/2010/main">
+              <a14:hiddenFill xmlns:a14="http://schemas.microsoft.com/office/drawing/2010/main" xmlns="">
                 <a:solidFill>
                   <a:srgbClr val="FFFFFF"/>
                 </a:solidFill>
